--- a/Chapter6/Figures/Fig3.pptx
+++ b/Chapter6/Figures/Fig3.pptx
@@ -7,7 +7,7 @@
   <p:sldIdLst>
     <p:sldId id="256" r:id="rId2"/>
   </p:sldIdLst>
-  <p:sldSz cx="9144000" cy="5940425"/>
+  <p:sldSz cx="9721850" cy="5940425"/>
   <p:notesSz cx="6858000" cy="9144000"/>
   <p:defaultTextStyle>
     <a:defPPr>
@@ -136,8 +136,8 @@
         </p:nvSpPr>
         <p:spPr>
           <a:xfrm>
-            <a:off x="685800" y="1845382"/>
-            <a:ext cx="7772400" cy="1273342"/>
+            <a:off x="729140" y="1845382"/>
+            <a:ext cx="8263573" cy="1273342"/>
           </a:xfrm>
         </p:spPr>
         <p:txBody>
@@ -164,8 +164,8 @@
         </p:nvSpPr>
         <p:spPr>
           <a:xfrm>
-            <a:off x="1371600" y="3366241"/>
-            <a:ext cx="6400800" cy="1518110"/>
+            <a:off x="1458279" y="3366241"/>
+            <a:ext cx="6805295" cy="1518110"/>
           </a:xfrm>
         </p:spPr>
         <p:txBody>
@@ -288,7 +288,7 @@
           <a:p>
             <a:fld id="{E2F1EB20-7BAF-476C-8D39-F3C6F5139B9D}" type="datetimeFigureOut">
               <a:rPr lang="en-GB" smtClean="0"/>
-              <a:t>16/05/2014</a:t>
+              <a:t>04/07/2014</a:t>
             </a:fld>
             <a:endParaRPr lang="en-GB"/>
           </a:p>
@@ -458,7 +458,7 @@
           <a:p>
             <a:fld id="{E2F1EB20-7BAF-476C-8D39-F3C6F5139B9D}" type="datetimeFigureOut">
               <a:rPr lang="en-GB" smtClean="0"/>
-              <a:t>16/05/2014</a:t>
+              <a:t>04/07/2014</a:t>
             </a:fld>
             <a:endParaRPr lang="en-GB"/>
           </a:p>
@@ -548,8 +548,8 @@
         </p:nvSpPr>
         <p:spPr>
           <a:xfrm>
-            <a:off x="6629400" y="237893"/>
-            <a:ext cx="2057400" cy="5068613"/>
+            <a:off x="7048341" y="237896"/>
+            <a:ext cx="2187416" cy="5068613"/>
           </a:xfrm>
         </p:spPr>
         <p:txBody>
@@ -576,8 +576,8 @@
         </p:nvSpPr>
         <p:spPr>
           <a:xfrm>
-            <a:off x="457200" y="237893"/>
-            <a:ext cx="6019800" cy="5068613"/>
+            <a:off x="486092" y="237896"/>
+            <a:ext cx="6400218" cy="5068613"/>
           </a:xfrm>
         </p:spPr>
         <p:txBody>
@@ -638,7 +638,7 @@
           <a:p>
             <a:fld id="{E2F1EB20-7BAF-476C-8D39-F3C6F5139B9D}" type="datetimeFigureOut">
               <a:rPr lang="en-GB" smtClean="0"/>
-              <a:t>16/05/2014</a:t>
+              <a:t>04/07/2014</a:t>
             </a:fld>
             <a:endParaRPr lang="en-GB"/>
           </a:p>
@@ -808,7 +808,7 @@
           <a:p>
             <a:fld id="{E2F1EB20-7BAF-476C-8D39-F3C6F5139B9D}" type="datetimeFigureOut">
               <a:rPr lang="en-GB" smtClean="0"/>
-              <a:t>16/05/2014</a:t>
+              <a:t>04/07/2014</a:t>
             </a:fld>
             <a:endParaRPr lang="en-GB"/>
           </a:p>
@@ -898,8 +898,8 @@
         </p:nvSpPr>
         <p:spPr>
           <a:xfrm>
-            <a:off x="722313" y="3817274"/>
-            <a:ext cx="7772400" cy="1179834"/>
+            <a:off x="767961" y="3817274"/>
+            <a:ext cx="8263573" cy="1179834"/>
           </a:xfrm>
         </p:spPr>
         <p:txBody>
@@ -930,8 +930,8 @@
         </p:nvSpPr>
         <p:spPr>
           <a:xfrm>
-            <a:off x="722313" y="2517806"/>
-            <a:ext cx="7772400" cy="1299468"/>
+            <a:off x="767961" y="2517806"/>
+            <a:ext cx="8263573" cy="1299468"/>
           </a:xfrm>
         </p:spPr>
         <p:txBody>
@@ -1054,7 +1054,7 @@
           <a:p>
             <a:fld id="{E2F1EB20-7BAF-476C-8D39-F3C6F5139B9D}" type="datetimeFigureOut">
               <a:rPr lang="en-GB" smtClean="0"/>
-              <a:t>16/05/2014</a:t>
+              <a:t>04/07/2014</a:t>
             </a:fld>
             <a:endParaRPr lang="en-GB"/>
           </a:p>
@@ -1167,8 +1167,8 @@
         </p:nvSpPr>
         <p:spPr>
           <a:xfrm>
-            <a:off x="457200" y="1386100"/>
-            <a:ext cx="4038600" cy="3920406"/>
+            <a:off x="486094" y="1386100"/>
+            <a:ext cx="4293817" cy="3920406"/>
           </a:xfrm>
         </p:spPr>
         <p:txBody>
@@ -1252,8 +1252,8 @@
         </p:nvSpPr>
         <p:spPr>
           <a:xfrm>
-            <a:off x="4648200" y="1386100"/>
-            <a:ext cx="4038600" cy="3920406"/>
+            <a:off x="4941941" y="1386100"/>
+            <a:ext cx="4293817" cy="3920406"/>
           </a:xfrm>
         </p:spPr>
         <p:txBody>
@@ -1342,7 +1342,7 @@
           <a:p>
             <a:fld id="{E2F1EB20-7BAF-476C-8D39-F3C6F5139B9D}" type="datetimeFigureOut">
               <a:rPr lang="en-GB" smtClean="0"/>
-              <a:t>16/05/2014</a:t>
+              <a:t>04/07/2014</a:t>
             </a:fld>
             <a:endParaRPr lang="en-GB"/>
           </a:p>
@@ -1459,8 +1459,8 @@
         </p:nvSpPr>
         <p:spPr>
           <a:xfrm>
-            <a:off x="457200" y="1329721"/>
-            <a:ext cx="4040188" cy="554164"/>
+            <a:off x="486094" y="1329721"/>
+            <a:ext cx="4295505" cy="554164"/>
           </a:xfrm>
         </p:spPr>
         <p:txBody>
@@ -1524,8 +1524,8 @@
         </p:nvSpPr>
         <p:spPr>
           <a:xfrm>
-            <a:off x="457200" y="1883886"/>
-            <a:ext cx="4040188" cy="3422620"/>
+            <a:off x="486094" y="1883886"/>
+            <a:ext cx="4295505" cy="3422620"/>
           </a:xfrm>
         </p:spPr>
         <p:txBody>
@@ -1609,8 +1609,8 @@
         </p:nvSpPr>
         <p:spPr>
           <a:xfrm>
-            <a:off x="4645029" y="1329721"/>
-            <a:ext cx="4041775" cy="554164"/>
+            <a:off x="4938569" y="1329721"/>
+            <a:ext cx="4297193" cy="554164"/>
           </a:xfrm>
         </p:spPr>
         <p:txBody>
@@ -1674,8 +1674,8 @@
         </p:nvSpPr>
         <p:spPr>
           <a:xfrm>
-            <a:off x="4645029" y="1883886"/>
-            <a:ext cx="4041775" cy="3422620"/>
+            <a:off x="4938569" y="1883886"/>
+            <a:ext cx="4297193" cy="3422620"/>
           </a:xfrm>
         </p:spPr>
         <p:txBody>
@@ -1764,7 +1764,7 @@
           <a:p>
             <a:fld id="{E2F1EB20-7BAF-476C-8D39-F3C6F5139B9D}" type="datetimeFigureOut">
               <a:rPr lang="en-GB" smtClean="0"/>
-              <a:t>16/05/2014</a:t>
+              <a:t>04/07/2014</a:t>
             </a:fld>
             <a:endParaRPr lang="en-GB"/>
           </a:p>
@@ -1882,7 +1882,7 @@
           <a:p>
             <a:fld id="{E2F1EB20-7BAF-476C-8D39-F3C6F5139B9D}" type="datetimeFigureOut">
               <a:rPr lang="en-GB" smtClean="0"/>
-              <a:t>16/05/2014</a:t>
+              <a:t>04/07/2014</a:t>
             </a:fld>
             <a:endParaRPr lang="en-GB"/>
           </a:p>
@@ -1977,7 +1977,7 @@
           <a:p>
             <a:fld id="{E2F1EB20-7BAF-476C-8D39-F3C6F5139B9D}" type="datetimeFigureOut">
               <a:rPr lang="en-GB" smtClean="0"/>
-              <a:t>16/05/2014</a:t>
+              <a:t>04/07/2014</a:t>
             </a:fld>
             <a:endParaRPr lang="en-GB"/>
           </a:p>
@@ -2067,8 +2067,8 @@
         </p:nvSpPr>
         <p:spPr>
           <a:xfrm>
-            <a:off x="457204" y="236518"/>
-            <a:ext cx="3008313" cy="1006572"/>
+            <a:off x="486098" y="236518"/>
+            <a:ext cx="3198422" cy="1006572"/>
           </a:xfrm>
         </p:spPr>
         <p:txBody>
@@ -2099,8 +2099,8 @@
         </p:nvSpPr>
         <p:spPr>
           <a:xfrm>
-            <a:off x="3575050" y="236518"/>
-            <a:ext cx="5111750" cy="5069988"/>
+            <a:off x="3800973" y="236518"/>
+            <a:ext cx="5434784" cy="5069988"/>
           </a:xfrm>
         </p:spPr>
         <p:txBody>
@@ -2184,8 +2184,8 @@
         </p:nvSpPr>
         <p:spPr>
           <a:xfrm>
-            <a:off x="457204" y="1243089"/>
-            <a:ext cx="3008313" cy="4063416"/>
+            <a:off x="486098" y="1243089"/>
+            <a:ext cx="3198422" cy="4063416"/>
           </a:xfrm>
         </p:spPr>
         <p:txBody>
@@ -2254,7 +2254,7 @@
           <a:p>
             <a:fld id="{E2F1EB20-7BAF-476C-8D39-F3C6F5139B9D}" type="datetimeFigureOut">
               <a:rPr lang="en-GB" smtClean="0"/>
-              <a:t>16/05/2014</a:t>
+              <a:t>04/07/2014</a:t>
             </a:fld>
             <a:endParaRPr lang="en-GB"/>
           </a:p>
@@ -2344,8 +2344,8 @@
         </p:nvSpPr>
         <p:spPr>
           <a:xfrm>
-            <a:off x="1792288" y="4158298"/>
-            <a:ext cx="5486400" cy="490910"/>
+            <a:off x="1905551" y="4158298"/>
+            <a:ext cx="5833110" cy="490910"/>
           </a:xfrm>
         </p:spPr>
         <p:txBody>
@@ -2376,8 +2376,8 @@
         </p:nvSpPr>
         <p:spPr>
           <a:xfrm>
-            <a:off x="1792288" y="530790"/>
-            <a:ext cx="5486400" cy="3564255"/>
+            <a:off x="1905551" y="530793"/>
+            <a:ext cx="5833110" cy="3564255"/>
           </a:xfrm>
         </p:spPr>
         <p:txBody>
@@ -2437,8 +2437,8 @@
         </p:nvSpPr>
         <p:spPr>
           <a:xfrm>
-            <a:off x="1792288" y="4649209"/>
-            <a:ext cx="5486400" cy="697174"/>
+            <a:off x="1905551" y="4649209"/>
+            <a:ext cx="5833110" cy="697174"/>
           </a:xfrm>
         </p:spPr>
         <p:txBody>
@@ -2507,7 +2507,7 @@
           <a:p>
             <a:fld id="{E2F1EB20-7BAF-476C-8D39-F3C6F5139B9D}" type="datetimeFigureOut">
               <a:rPr lang="en-GB" smtClean="0"/>
-              <a:t>16/05/2014</a:t>
+              <a:t>04/07/2014</a:t>
             </a:fld>
             <a:endParaRPr lang="en-GB"/>
           </a:p>
@@ -2602,8 +2602,8 @@
         </p:nvSpPr>
         <p:spPr>
           <a:xfrm>
-            <a:off x="457200" y="237894"/>
-            <a:ext cx="8229600" cy="990071"/>
+            <a:off x="486094" y="237897"/>
+            <a:ext cx="8749665" cy="990071"/>
           </a:xfrm>
           <a:prstGeom prst="rect">
             <a:avLst/>
@@ -2635,8 +2635,8 @@
         </p:nvSpPr>
         <p:spPr>
           <a:xfrm>
-            <a:off x="457200" y="1386100"/>
-            <a:ext cx="8229600" cy="3920406"/>
+            <a:off x="486094" y="1386100"/>
+            <a:ext cx="8749665" cy="3920406"/>
           </a:xfrm>
           <a:prstGeom prst="rect">
             <a:avLst/>
@@ -2697,8 +2697,8 @@
         </p:nvSpPr>
         <p:spPr>
           <a:xfrm>
-            <a:off x="457200" y="5505895"/>
-            <a:ext cx="2133600" cy="316273"/>
+            <a:off x="486092" y="5505898"/>
+            <a:ext cx="2268432" cy="316273"/>
           </a:xfrm>
           <a:prstGeom prst="rect">
             <a:avLst/>
@@ -2720,7 +2720,7 @@
           <a:p>
             <a:fld id="{E2F1EB20-7BAF-476C-8D39-F3C6F5139B9D}" type="datetimeFigureOut">
               <a:rPr lang="en-GB" smtClean="0"/>
-              <a:t>16/05/2014</a:t>
+              <a:t>04/07/2014</a:t>
             </a:fld>
             <a:endParaRPr lang="en-GB"/>
           </a:p>
@@ -2738,8 +2738,8 @@
         </p:nvSpPr>
         <p:spPr>
           <a:xfrm>
-            <a:off x="3124200" y="5505895"/>
-            <a:ext cx="2895600" cy="316273"/>
+            <a:off x="3321633" y="5505898"/>
+            <a:ext cx="3078586" cy="316273"/>
           </a:xfrm>
           <a:prstGeom prst="rect">
             <a:avLst/>
@@ -2775,8 +2775,8 @@
         </p:nvSpPr>
         <p:spPr>
           <a:xfrm>
-            <a:off x="6553200" y="5505895"/>
-            <a:ext cx="2133600" cy="316273"/>
+            <a:off x="6967326" y="5505898"/>
+            <a:ext cx="2268432" cy="316273"/>
           </a:xfrm>
           <a:prstGeom prst="rect">
             <a:avLst/>
@@ -3097,7 +3097,7 @@
       </p:grpSpPr>
       <p:pic>
         <p:nvPicPr>
-          <p:cNvPr id="1026" name="Picture 2" descr="C:\Users\Wendy\Documents\wwn20\Thesis\Chapter6\Figures\CHPI_Au_Spec.png"/>
+          <p:cNvPr id="63" name="Picture 2" descr="C:\Users\Wendy\Documents\wwn20\Thesis\Chapter6\Figures\CHPI_Au_Spec.png"/>
           <p:cNvPicPr>
             <a:picLocks noChangeAspect="1" noChangeArrowheads="1"/>
           </p:cNvPicPr>
@@ -3136,7 +3136,7 @@
       </p:pic>
       <p:pic>
         <p:nvPicPr>
-          <p:cNvPr id="37" name="Picture 2" descr="C:\Users\Wendy\Documents\wwn20\Data\PbI4_metal_island_film\Images\2012\01 - January\120111-CHPI_Ag_Au\13\x100-bf.jpg"/>
+          <p:cNvPr id="64" name="Picture 2" descr="C:\Users\Wendy\Documents\wwn20\Data\PbI4_metal_island_film\Images\2012\01 - January\120111-CHPI_Ag_Au\13\x100-bf.jpg"/>
           <p:cNvPicPr>
             <a:picLocks noChangeAspect="1" noChangeArrowheads="1"/>
           </p:cNvPicPr>
@@ -3184,7 +3184,7 @@
       </p:pic>
       <p:cxnSp>
         <p:nvCxnSpPr>
-          <p:cNvPr id="38" name="Straight Connector 37"/>
+          <p:cNvPr id="65" name="Straight Connector 64"/>
           <p:cNvCxnSpPr/>
           <p:nvPr/>
         </p:nvCxnSpPr>
@@ -3219,7 +3219,7 @@
       </p:cxnSp>
       <p:sp>
         <p:nvSpPr>
-          <p:cNvPr id="39" name="TextBox 38"/>
+          <p:cNvPr id="66" name="TextBox 65"/>
           <p:cNvSpPr txBox="1"/>
           <p:nvPr/>
         </p:nvSpPr>
@@ -3257,7 +3257,7 @@
       </p:sp>
       <p:pic>
         <p:nvPicPr>
-          <p:cNvPr id="40" name="Picture 4" descr="C:\Users\Wendy\Documents\wwn20\Data\PbI4_metal_island_film\Images\2012\01 - January\120111-CHPI_Ag_Au\1\x100-bf-1.jpg"/>
+          <p:cNvPr id="67" name="Picture 4" descr="C:\Users\Wendy\Documents\wwn20\Data\PbI4_metal_island_film\Images\2012\01 - January\120111-CHPI_Ag_Au\1\x100-bf-1.jpg"/>
           <p:cNvPicPr>
             <a:picLocks noChangeAspect="1" noChangeArrowheads="1"/>
           </p:cNvPicPr>
@@ -3305,7 +3305,7 @@
       </p:pic>
       <p:pic>
         <p:nvPicPr>
-          <p:cNvPr id="41" name="Picture 5" descr="C:\Users\Wendy\Documents\wwn20\Data\PbI4_metal_island_film\Images\2012\01 - January\120111-CHPI_Ag_Au\4\x100-bf.jpg"/>
+          <p:cNvPr id="68" name="Picture 5" descr="C:\Users\Wendy\Documents\wwn20\Data\PbI4_metal_island_film\Images\2012\01 - January\120111-CHPI_Ag_Au\4\x100-bf.jpg"/>
           <p:cNvPicPr>
             <a:picLocks noChangeAspect="1" noChangeArrowheads="1"/>
           </p:cNvPicPr>
@@ -3351,48 +3351,9 @@
           </a:extLst>
         </p:spPr>
       </p:pic>
-      <p:pic>
-        <p:nvPicPr>
-          <p:cNvPr id="43" name="Picture 10" descr="C:\Users\Wendy\Documents\wwn20\Thesis\Chapter6\Figures\CHPI_Au_Spec.png"/>
-          <p:cNvPicPr>
-            <a:picLocks noChangeAspect="1" noChangeArrowheads="1"/>
-          </p:cNvPicPr>
-          <p:nvPr/>
-        </p:nvPicPr>
-        <p:blipFill rotWithShape="1">
-          <a:blip r:embed="rId9">
-            <a:extLst>
-              <a:ext uri="{28A0092B-C50C-407E-A947-70E740481C1C}">
-                <a14:useLocalDpi xmlns:a14="http://schemas.microsoft.com/office/drawing/2010/main" val="0"/>
-              </a:ext>
-            </a:extLst>
-          </a:blip>
-          <a:srcRect l="2427" t="5930" r="65224" b="68698"/>
-          <a:stretch/>
-        </p:blipFill>
-        <p:spPr bwMode="auto">
-          <a:xfrm>
-            <a:off x="6706498" y="2166522"/>
-            <a:ext cx="2415654" cy="1406494"/>
-          </a:xfrm>
-          <a:prstGeom prst="rect">
-            <a:avLst/>
-          </a:prstGeom>
-          <a:noFill/>
-          <a:extLst>
-            <a:ext uri="{909E8E84-426E-40DD-AFC4-6F175D3DCCD1}">
-              <a14:hiddenFill xmlns:a14="http://schemas.microsoft.com/office/drawing/2010/main">
-                <a:solidFill>
-                  <a:srgbClr val="FFFFFF"/>
-                </a:solidFill>
-              </a14:hiddenFill>
-            </a:ext>
-          </a:extLst>
-        </p:spPr>
-      </p:pic>
       <p:cxnSp>
         <p:nvCxnSpPr>
-          <p:cNvPr id="44" name="Straight Connector 43"/>
+          <p:cNvPr id="69" name="Straight Connector 68"/>
           <p:cNvCxnSpPr/>
           <p:nvPr/>
         </p:nvCxnSpPr>
@@ -3427,7 +3388,7 @@
       </p:cxnSp>
       <p:cxnSp>
         <p:nvCxnSpPr>
-          <p:cNvPr id="45" name="Straight Connector 44"/>
+          <p:cNvPr id="70" name="Straight Connector 69"/>
           <p:cNvCxnSpPr/>
           <p:nvPr/>
         </p:nvCxnSpPr>
@@ -3462,7 +3423,7 @@
       </p:cxnSp>
       <p:sp>
         <p:nvSpPr>
-          <p:cNvPr id="7" name="TextBox 6"/>
+          <p:cNvPr id="71" name="TextBox 70"/>
           <p:cNvSpPr txBox="1"/>
           <p:nvPr/>
         </p:nvSpPr>
@@ -3492,7 +3453,7 @@
       </p:sp>
       <p:sp>
         <p:nvSpPr>
-          <p:cNvPr id="47" name="TextBox 46"/>
+          <p:cNvPr id="72" name="TextBox 71"/>
           <p:cNvSpPr txBox="1"/>
           <p:nvPr/>
         </p:nvSpPr>
@@ -3522,7 +3483,7 @@
       </p:sp>
       <p:sp>
         <p:nvSpPr>
-          <p:cNvPr id="48" name="TextBox 47"/>
+          <p:cNvPr id="73" name="TextBox 72"/>
           <p:cNvSpPr txBox="1"/>
           <p:nvPr/>
         </p:nvSpPr>
@@ -3552,7 +3513,7 @@
       </p:sp>
       <p:sp>
         <p:nvSpPr>
-          <p:cNvPr id="49" name="TextBox 48"/>
+          <p:cNvPr id="74" name="TextBox 73"/>
           <p:cNvSpPr txBox="1"/>
           <p:nvPr/>
         </p:nvSpPr>
@@ -3582,7 +3543,7 @@
       </p:sp>
       <p:cxnSp>
         <p:nvCxnSpPr>
-          <p:cNvPr id="12" name="Straight Connector 11"/>
+          <p:cNvPr id="75" name="Straight Connector 74"/>
           <p:cNvCxnSpPr/>
           <p:nvPr/>
         </p:nvCxnSpPr>
@@ -3618,7 +3579,7 @@
       </p:cxnSp>
       <p:cxnSp>
         <p:nvCxnSpPr>
-          <p:cNvPr id="14" name="Straight Arrow Connector 13"/>
+          <p:cNvPr id="76" name="Straight Arrow Connector 75"/>
           <p:cNvCxnSpPr/>
           <p:nvPr/>
         </p:nvCxnSpPr>
@@ -3655,7 +3616,7 @@
       </p:cxnSp>
       <p:cxnSp>
         <p:nvCxnSpPr>
-          <p:cNvPr id="62" name="Straight Arrow Connector 61"/>
+          <p:cNvPr id="77" name="Straight Arrow Connector 76"/>
           <p:cNvCxnSpPr/>
           <p:nvPr/>
         </p:nvCxnSpPr>
@@ -3690,6 +3651,45 @@
           </a:fontRef>
         </p:style>
       </p:cxnSp>
+      <p:pic>
+        <p:nvPicPr>
+          <p:cNvPr id="78" name="Picture 2" descr="C:\Users\Wendy\Documents\wwn20\Thesis\Chapter6\Figures\CHPI_Au_Spec.png"/>
+          <p:cNvPicPr>
+            <a:picLocks noChangeAspect="1" noChangeArrowheads="1"/>
+          </p:cNvPicPr>
+          <p:nvPr/>
+        </p:nvPicPr>
+        <p:blipFill rotWithShape="1">
+          <a:blip r:embed="rId9">
+            <a:extLst>
+              <a:ext uri="{28A0092B-C50C-407E-A947-70E740481C1C}">
+                <a14:useLocalDpi xmlns:a14="http://schemas.microsoft.com/office/drawing/2010/main" val="0"/>
+              </a:ext>
+            </a:extLst>
+          </a:blip>
+          <a:srcRect t="7658" r="62793" b="71304"/>
+          <a:stretch/>
+        </p:blipFill>
+        <p:spPr bwMode="auto">
+          <a:xfrm>
+            <a:off x="6799428" y="2252087"/>
+            <a:ext cx="2778457" cy="1166224"/>
+          </a:xfrm>
+          <a:prstGeom prst="rect">
+            <a:avLst/>
+          </a:prstGeom>
+          <a:noFill/>
+          <a:extLst>
+            <a:ext uri="{909E8E84-426E-40DD-AFC4-6F175D3DCCD1}">
+              <a14:hiddenFill xmlns:a14="http://schemas.microsoft.com/office/drawing/2010/main">
+                <a:solidFill>
+                  <a:srgbClr val="FFFFFF"/>
+                </a:solidFill>
+              </a14:hiddenFill>
+            </a:ext>
+          </a:extLst>
+        </p:spPr>
+      </p:pic>
     </p:spTree>
     <p:extLst>
       <p:ext uri="{BB962C8B-B14F-4D97-AF65-F5344CB8AC3E}">

--- a/Chapter6/Figures/Fig3.pptx
+++ b/Chapter6/Figures/Fig3.pptx
@@ -288,7 +288,7 @@
           <a:p>
             <a:fld id="{E2F1EB20-7BAF-476C-8D39-F3C6F5139B9D}" type="datetimeFigureOut">
               <a:rPr lang="en-GB" smtClean="0"/>
-              <a:t>04/07/2014</a:t>
+              <a:t>24/09/2014</a:t>
             </a:fld>
             <a:endParaRPr lang="en-GB"/>
           </a:p>
@@ -458,7 +458,7 @@
           <a:p>
             <a:fld id="{E2F1EB20-7BAF-476C-8D39-F3C6F5139B9D}" type="datetimeFigureOut">
               <a:rPr lang="en-GB" smtClean="0"/>
-              <a:t>04/07/2014</a:t>
+              <a:t>24/09/2014</a:t>
             </a:fld>
             <a:endParaRPr lang="en-GB"/>
           </a:p>
@@ -638,7 +638,7 @@
           <a:p>
             <a:fld id="{E2F1EB20-7BAF-476C-8D39-F3C6F5139B9D}" type="datetimeFigureOut">
               <a:rPr lang="en-GB" smtClean="0"/>
-              <a:t>04/07/2014</a:t>
+              <a:t>24/09/2014</a:t>
             </a:fld>
             <a:endParaRPr lang="en-GB"/>
           </a:p>
@@ -808,7 +808,7 @@
           <a:p>
             <a:fld id="{E2F1EB20-7BAF-476C-8D39-F3C6F5139B9D}" type="datetimeFigureOut">
               <a:rPr lang="en-GB" smtClean="0"/>
-              <a:t>04/07/2014</a:t>
+              <a:t>24/09/2014</a:t>
             </a:fld>
             <a:endParaRPr lang="en-GB"/>
           </a:p>
@@ -1054,7 +1054,7 @@
           <a:p>
             <a:fld id="{E2F1EB20-7BAF-476C-8D39-F3C6F5139B9D}" type="datetimeFigureOut">
               <a:rPr lang="en-GB" smtClean="0"/>
-              <a:t>04/07/2014</a:t>
+              <a:t>24/09/2014</a:t>
             </a:fld>
             <a:endParaRPr lang="en-GB"/>
           </a:p>
@@ -1342,7 +1342,7 @@
           <a:p>
             <a:fld id="{E2F1EB20-7BAF-476C-8D39-F3C6F5139B9D}" type="datetimeFigureOut">
               <a:rPr lang="en-GB" smtClean="0"/>
-              <a:t>04/07/2014</a:t>
+              <a:t>24/09/2014</a:t>
             </a:fld>
             <a:endParaRPr lang="en-GB"/>
           </a:p>
@@ -1764,7 +1764,7 @@
           <a:p>
             <a:fld id="{E2F1EB20-7BAF-476C-8D39-F3C6F5139B9D}" type="datetimeFigureOut">
               <a:rPr lang="en-GB" smtClean="0"/>
-              <a:t>04/07/2014</a:t>
+              <a:t>24/09/2014</a:t>
             </a:fld>
             <a:endParaRPr lang="en-GB"/>
           </a:p>
@@ -1882,7 +1882,7 @@
           <a:p>
             <a:fld id="{E2F1EB20-7BAF-476C-8D39-F3C6F5139B9D}" type="datetimeFigureOut">
               <a:rPr lang="en-GB" smtClean="0"/>
-              <a:t>04/07/2014</a:t>
+              <a:t>24/09/2014</a:t>
             </a:fld>
             <a:endParaRPr lang="en-GB"/>
           </a:p>
@@ -1977,7 +1977,7 @@
           <a:p>
             <a:fld id="{E2F1EB20-7BAF-476C-8D39-F3C6F5139B9D}" type="datetimeFigureOut">
               <a:rPr lang="en-GB" smtClean="0"/>
-              <a:t>04/07/2014</a:t>
+              <a:t>24/09/2014</a:t>
             </a:fld>
             <a:endParaRPr lang="en-GB"/>
           </a:p>
@@ -2254,7 +2254,7 @@
           <a:p>
             <a:fld id="{E2F1EB20-7BAF-476C-8D39-F3C6F5139B9D}" type="datetimeFigureOut">
               <a:rPr lang="en-GB" smtClean="0"/>
-              <a:t>04/07/2014</a:t>
+              <a:t>24/09/2014</a:t>
             </a:fld>
             <a:endParaRPr lang="en-GB"/>
           </a:p>
@@ -2507,7 +2507,7 @@
           <a:p>
             <a:fld id="{E2F1EB20-7BAF-476C-8D39-F3C6F5139B9D}" type="datetimeFigureOut">
               <a:rPr lang="en-GB" smtClean="0"/>
-              <a:t>04/07/2014</a:t>
+              <a:t>24/09/2014</a:t>
             </a:fld>
             <a:endParaRPr lang="en-GB"/>
           </a:p>
@@ -2720,7 +2720,7 @@
           <a:p>
             <a:fld id="{E2F1EB20-7BAF-476C-8D39-F3C6F5139B9D}" type="datetimeFigureOut">
               <a:rPr lang="en-GB" smtClean="0"/>
-              <a:t>04/07/2014</a:t>
+              <a:t>24/09/2014</a:t>
             </a:fld>
             <a:endParaRPr lang="en-GB"/>
           </a:p>
@@ -3097,7 +3097,7 @@
       </p:grpSpPr>
       <p:pic>
         <p:nvPicPr>
-          <p:cNvPr id="63" name="Picture 2" descr="C:\Users\Wendy\Documents\wwn20\Thesis\Chapter6\Figures\CHPI_Au_Spec.png"/>
+          <p:cNvPr id="1026" name="Picture 2" descr="C:\Users\Wendy\Documents\wwn20\Thesis\Chapter6\Figures\CHPI_Au_Spec.png"/>
           <p:cNvPicPr>
             <a:picLocks noChangeAspect="1" noChangeArrowheads="1"/>
           </p:cNvPicPr>
@@ -3111,13 +3111,13 @@
               </a:ext>
             </a:extLst>
           </a:blip>
-          <a:srcRect l="37207"/>
+          <a:srcRect l="38488"/>
           <a:stretch/>
         </p:blipFill>
         <p:spPr bwMode="auto">
           <a:xfrm>
-            <a:off x="2429175" y="261714"/>
-            <a:ext cx="4689143" cy="5543550"/>
+            <a:off x="2524836" y="261714"/>
+            <a:ext cx="4593482" cy="5543550"/>
           </a:xfrm>
           <a:prstGeom prst="rect">
             <a:avLst/>
@@ -3585,7 +3585,7 @@
         </p:nvCxnSpPr>
         <p:spPr>
           <a:xfrm>
-            <a:off x="6097816" y="1660420"/>
+            <a:off x="5999547" y="2551750"/>
             <a:ext cx="0" cy="180000"/>
           </a:xfrm>
           <a:prstGeom prst="straightConnector1">
@@ -3622,7 +3622,7 @@
         </p:nvCxnSpPr>
         <p:spPr>
           <a:xfrm>
-            <a:off x="4322568" y="2975172"/>
+            <a:off x="4295272" y="1517303"/>
             <a:ext cx="0" cy="180000"/>
           </a:xfrm>
           <a:prstGeom prst="straightConnector1">

--- a/Chapter6/Figures/Fig3.pptx
+++ b/Chapter6/Figures/Fig3.pptx
@@ -288,7 +288,7 @@
           <a:p>
             <a:fld id="{E2F1EB20-7BAF-476C-8D39-F3C6F5139B9D}" type="datetimeFigureOut">
               <a:rPr lang="en-GB" smtClean="0"/>
-              <a:t>24/09/2014</a:t>
+              <a:t>19/10/2014</a:t>
             </a:fld>
             <a:endParaRPr lang="en-GB"/>
           </a:p>
@@ -458,7 +458,7 @@
           <a:p>
             <a:fld id="{E2F1EB20-7BAF-476C-8D39-F3C6F5139B9D}" type="datetimeFigureOut">
               <a:rPr lang="en-GB" smtClean="0"/>
-              <a:t>24/09/2014</a:t>
+              <a:t>19/10/2014</a:t>
             </a:fld>
             <a:endParaRPr lang="en-GB"/>
           </a:p>
@@ -638,7 +638,7 @@
           <a:p>
             <a:fld id="{E2F1EB20-7BAF-476C-8D39-F3C6F5139B9D}" type="datetimeFigureOut">
               <a:rPr lang="en-GB" smtClean="0"/>
-              <a:t>24/09/2014</a:t>
+              <a:t>19/10/2014</a:t>
             </a:fld>
             <a:endParaRPr lang="en-GB"/>
           </a:p>
@@ -808,7 +808,7 @@
           <a:p>
             <a:fld id="{E2F1EB20-7BAF-476C-8D39-F3C6F5139B9D}" type="datetimeFigureOut">
               <a:rPr lang="en-GB" smtClean="0"/>
-              <a:t>24/09/2014</a:t>
+              <a:t>19/10/2014</a:t>
             </a:fld>
             <a:endParaRPr lang="en-GB"/>
           </a:p>
@@ -1054,7 +1054,7 @@
           <a:p>
             <a:fld id="{E2F1EB20-7BAF-476C-8D39-F3C6F5139B9D}" type="datetimeFigureOut">
               <a:rPr lang="en-GB" smtClean="0"/>
-              <a:t>24/09/2014</a:t>
+              <a:t>19/10/2014</a:t>
             </a:fld>
             <a:endParaRPr lang="en-GB"/>
           </a:p>
@@ -1342,7 +1342,7 @@
           <a:p>
             <a:fld id="{E2F1EB20-7BAF-476C-8D39-F3C6F5139B9D}" type="datetimeFigureOut">
               <a:rPr lang="en-GB" smtClean="0"/>
-              <a:t>24/09/2014</a:t>
+              <a:t>19/10/2014</a:t>
             </a:fld>
             <a:endParaRPr lang="en-GB"/>
           </a:p>
@@ -1764,7 +1764,7 @@
           <a:p>
             <a:fld id="{E2F1EB20-7BAF-476C-8D39-F3C6F5139B9D}" type="datetimeFigureOut">
               <a:rPr lang="en-GB" smtClean="0"/>
-              <a:t>24/09/2014</a:t>
+              <a:t>19/10/2014</a:t>
             </a:fld>
             <a:endParaRPr lang="en-GB"/>
           </a:p>
@@ -1882,7 +1882,7 @@
           <a:p>
             <a:fld id="{E2F1EB20-7BAF-476C-8D39-F3C6F5139B9D}" type="datetimeFigureOut">
               <a:rPr lang="en-GB" smtClean="0"/>
-              <a:t>24/09/2014</a:t>
+              <a:t>19/10/2014</a:t>
             </a:fld>
             <a:endParaRPr lang="en-GB"/>
           </a:p>
@@ -1977,7 +1977,7 @@
           <a:p>
             <a:fld id="{E2F1EB20-7BAF-476C-8D39-F3C6F5139B9D}" type="datetimeFigureOut">
               <a:rPr lang="en-GB" smtClean="0"/>
-              <a:t>24/09/2014</a:t>
+              <a:t>19/10/2014</a:t>
             </a:fld>
             <a:endParaRPr lang="en-GB"/>
           </a:p>
@@ -2254,7 +2254,7 @@
           <a:p>
             <a:fld id="{E2F1EB20-7BAF-476C-8D39-F3C6F5139B9D}" type="datetimeFigureOut">
               <a:rPr lang="en-GB" smtClean="0"/>
-              <a:t>24/09/2014</a:t>
+              <a:t>19/10/2014</a:t>
             </a:fld>
             <a:endParaRPr lang="en-GB"/>
           </a:p>
@@ -2507,7 +2507,7 @@
           <a:p>
             <a:fld id="{E2F1EB20-7BAF-476C-8D39-F3C6F5139B9D}" type="datetimeFigureOut">
               <a:rPr lang="en-GB" smtClean="0"/>
-              <a:t>24/09/2014</a:t>
+              <a:t>19/10/2014</a:t>
             </a:fld>
             <a:endParaRPr lang="en-GB"/>
           </a:p>
@@ -2720,7 +2720,7 @@
           <a:p>
             <a:fld id="{E2F1EB20-7BAF-476C-8D39-F3C6F5139B9D}" type="datetimeFigureOut">
               <a:rPr lang="en-GB" smtClean="0"/>
-              <a:t>24/09/2014</a:t>
+              <a:t>19/10/2014</a:t>
             </a:fld>
             <a:endParaRPr lang="en-GB"/>
           </a:p>
@@ -3097,7 +3097,7 @@
       </p:grpSpPr>
       <p:pic>
         <p:nvPicPr>
-          <p:cNvPr id="1026" name="Picture 2" descr="C:\Users\Wendy\Documents\wwn20\Thesis\Chapter6\Figures\CHPI_Au_Spec.png"/>
+          <p:cNvPr id="2" name="Picture 2" descr="C:\Users\Wendy\Documents\wwn20\Thesis\Chapter6\Figures\CHPI_Au_Spec.png"/>
           <p:cNvPicPr>
             <a:picLocks noChangeAspect="1" noChangeArrowheads="1"/>
           </p:cNvPicPr>
@@ -3111,13 +3111,13 @@
               </a:ext>
             </a:extLst>
           </a:blip>
-          <a:srcRect l="38488"/>
+          <a:srcRect l="37024"/>
           <a:stretch/>
         </p:blipFill>
         <p:spPr bwMode="auto">
           <a:xfrm>
-            <a:off x="2524836" y="261714"/>
-            <a:ext cx="4593482" cy="5543550"/>
+            <a:off x="2429176" y="240380"/>
+            <a:ext cx="4702772" cy="5543550"/>
           </a:xfrm>
           <a:prstGeom prst="rect">
             <a:avLst/>
@@ -3653,27 +3653,27 @@
       </p:cxnSp>
       <p:pic>
         <p:nvPicPr>
-          <p:cNvPr id="78" name="Picture 2" descr="C:\Users\Wendy\Documents\wwn20\Thesis\Chapter6\Figures\CHPI_Au_Spec.png"/>
+          <p:cNvPr id="18" name="Picture 2" descr="C:\Users\Wendy\Documents\wwn20\Thesis\Chapter6\Figures\CHPI_Au_Spec.png"/>
           <p:cNvPicPr>
             <a:picLocks noChangeAspect="1" noChangeArrowheads="1"/>
           </p:cNvPicPr>
           <p:nvPr/>
         </p:nvPicPr>
         <p:blipFill rotWithShape="1">
-          <a:blip r:embed="rId9">
+          <a:blip r:embed="rId2">
             <a:extLst>
               <a:ext uri="{28A0092B-C50C-407E-A947-70E740481C1C}">
                 <a14:useLocalDpi xmlns:a14="http://schemas.microsoft.com/office/drawing/2010/main" val="0"/>
               </a:ext>
             </a:extLst>
           </a:blip>
-          <a:srcRect t="7658" r="62793" b="71304"/>
+          <a:srcRect l="16" r="61604" b="67675"/>
           <a:stretch/>
         </p:blipFill>
         <p:spPr bwMode="auto">
           <a:xfrm>
-            <a:off x="6799428" y="2252087"/>
-            <a:ext cx="2778457" cy="1166224"/>
+            <a:off x="6799428" y="1835770"/>
+            <a:ext cx="2866029" cy="1791959"/>
           </a:xfrm>
           <a:prstGeom prst="rect">
             <a:avLst/>
